--- a/M04Workshop/TMRED18_tr-wa_workshop.pptx
+++ b/M04Workshop/TMRED18_tr-wa_workshop.pptx
@@ -5,17 +5,18 @@
     <p:sldMasterId id="2147483682" r:id="rId1"/>
   </p:sldMasterIdLst>
   <p:notesMasterIdLst>
-    <p:notesMasterId r:id="rId7"/>
+    <p:notesMasterId r:id="rId8"/>
   </p:notesMasterIdLst>
   <p:handoutMasterIdLst>
-    <p:handoutMasterId r:id="rId8"/>
+    <p:handoutMasterId r:id="rId9"/>
   </p:handoutMasterIdLst>
   <p:sldIdLst>
     <p:sldId id="258" r:id="rId2"/>
     <p:sldId id="259" r:id="rId3"/>
-    <p:sldId id="260" r:id="rId4"/>
-    <p:sldId id="261" r:id="rId5"/>
-    <p:sldId id="262" r:id="rId6"/>
+    <p:sldId id="263" r:id="rId4"/>
+    <p:sldId id="260" r:id="rId5"/>
+    <p:sldId id="261" r:id="rId6"/>
+    <p:sldId id="262" r:id="rId7"/>
   </p:sldIdLst>
   <p:sldSz cx="9144000" cy="5143500" type="screen16x9"/>
   <p:notesSz cx="6858000" cy="9144000"/>
@@ -696,6 +697,91 @@
     <p:extLst>
       <p:ext uri="{BB962C8B-B14F-4D97-AF65-F5344CB8AC3E}">
         <p14:creationId xmlns:p14="http://schemas.microsoft.com/office/powerpoint/2010/main" val="1927395083"/>
+      </p:ext>
+    </p:extLst>
+  </p:cSld>
+  <p:clrMapOvr>
+    <a:masterClrMapping/>
+  </p:clrMapOvr>
+</p:notes>
+</file>
+
+<file path=ppt/notesSlides/notesSlide2.xml><?xml version="1.0" encoding="utf-8"?>
+<p:notes xmlns:a="http://schemas.openxmlformats.org/drawingml/2006/main" xmlns:r="http://schemas.openxmlformats.org/officeDocument/2006/relationships" xmlns:p="http://schemas.openxmlformats.org/presentationml/2006/main">
+  <p:cSld>
+    <p:spTree>
+      <p:nvGrpSpPr>
+        <p:cNvPr id="1" name=""/>
+        <p:cNvGrpSpPr/>
+        <p:nvPr/>
+      </p:nvGrpSpPr>
+      <p:grpSpPr>
+        <a:xfrm>
+          <a:off x="0" y="0"/>
+          <a:ext cx="0" cy="0"/>
+          <a:chOff x="0" y="0"/>
+          <a:chExt cx="0" cy="0"/>
+        </a:xfrm>
+      </p:grpSpPr>
+      <p:sp>
+        <p:nvSpPr>
+          <p:cNvPr id="2" name="Slide Image Placeholder 1"/>
+          <p:cNvSpPr>
+            <a:spLocks noGrp="1" noRot="1" noChangeAspect="1"/>
+          </p:cNvSpPr>
+          <p:nvPr>
+            <p:ph type="sldImg"/>
+          </p:nvPr>
+        </p:nvSpPr>
+        <p:spPr/>
+      </p:sp>
+      <p:sp>
+        <p:nvSpPr>
+          <p:cNvPr id="3" name="Notes Placeholder 2"/>
+          <p:cNvSpPr>
+            <a:spLocks noGrp="1"/>
+          </p:cNvSpPr>
+          <p:nvPr>
+            <p:ph type="body" idx="1"/>
+          </p:nvPr>
+        </p:nvSpPr>
+        <p:spPr/>
+        <p:txBody>
+          <a:bodyPr/>
+          <a:lstStyle/>
+          <a:p>
+            <a:endParaRPr lang="en-US" dirty="0"/>
+          </a:p>
+        </p:txBody>
+      </p:sp>
+      <p:sp>
+        <p:nvSpPr>
+          <p:cNvPr id="4" name="Slide Number Placeholder 3"/>
+          <p:cNvSpPr>
+            <a:spLocks noGrp="1"/>
+          </p:cNvSpPr>
+          <p:nvPr>
+            <p:ph type="sldNum" sz="quarter" idx="10"/>
+          </p:nvPr>
+        </p:nvSpPr>
+        <p:spPr/>
+        <p:txBody>
+          <a:bodyPr/>
+          <a:lstStyle/>
+          <a:p>
+            <a:fld id="{DE326DE0-BACA-4EA0-B73F-CC7DC1D7F4A1}" type="slidenum">
+              <a:rPr lang="en-US" smtClean="0"/>
+              <a:pPr/>
+              <a:t>3</a:t>
+            </a:fld>
+            <a:endParaRPr lang="en-US"/>
+          </a:p>
+        </p:txBody>
+      </p:sp>
+    </p:spTree>
+    <p:extLst>
+      <p:ext uri="{BB962C8B-B14F-4D97-AF65-F5344CB8AC3E}">
+        <p14:creationId xmlns:p14="http://schemas.microsoft.com/office/powerpoint/2010/main" val="5234276"/>
       </p:ext>
     </p:extLst>
   </p:cSld>
@@ -4452,7 +4538,7 @@
           <p:cNvPr id="2" name="Title 1">
             <a:extLst>
               <a:ext uri="{FF2B5EF4-FFF2-40B4-BE49-F238E27FC236}">
-                <a16:creationId xmlns:a16="http://schemas.microsoft.com/office/drawing/2014/main" id="{9E7C623A-6D5A-441D-9DA4-B618DFF14388}"/>
+                <a16:creationId xmlns:a16="http://schemas.microsoft.com/office/drawing/2014/main" id="{FC26FD87-9C81-4A2C-8B45-783D2C9BA510}"/>
               </a:ext>
             </a:extLst>
           </p:cNvPr>
@@ -4470,43 +4556,230 @@
           <a:p>
             <a:r>
               <a:rPr lang="en-US" dirty="0"/>
-              <a:t>Less Yapping More Tapping</a:t>
-            </a:r>
-          </a:p>
-        </p:txBody>
-      </p:sp>
-      <p:sp>
-        <p:nvSpPr>
-          <p:cNvPr id="3" name="Text Placeholder 2">
+              <a:t>Buckle Up!</a:t>
+            </a:r>
+          </a:p>
+        </p:txBody>
+      </p:sp>
+      <p:pic>
+        <p:nvPicPr>
+          <p:cNvPr id="7" name="Picture 6" descr="A group of people sitting at a table&#10;&#10;Description generated with very high confidence">
             <a:extLst>
               <a:ext uri="{FF2B5EF4-FFF2-40B4-BE49-F238E27FC236}">
-                <a16:creationId xmlns:a16="http://schemas.microsoft.com/office/drawing/2014/main" id="{BDEB7752-25EF-448B-B03C-D8A1AD349046}"/>
+                <a16:creationId xmlns:a16="http://schemas.microsoft.com/office/drawing/2014/main" id="{D088095C-9811-4A5A-BA62-D0B75A6C2B20}"/>
               </a:ext>
             </a:extLst>
           </p:cNvPr>
-          <p:cNvSpPr>
-            <a:spLocks noGrp="1"/>
-          </p:cNvSpPr>
-          <p:nvPr>
-            <p:ph type="body" idx="1"/>
-          </p:nvPr>
-        </p:nvSpPr>
-        <p:spPr/>
-        <p:txBody>
-          <a:bodyPr/>
-          <a:lstStyle/>
-          <a:p>
-            <a:r>
-              <a:rPr lang="en-US" dirty="0"/>
-              <a:t>Demo Time</a:t>
-            </a:r>
-          </a:p>
-        </p:txBody>
-      </p:sp>
+          <p:cNvPicPr>
+            <a:picLocks noChangeAspect="1"/>
+          </p:cNvPicPr>
+          <p:nvPr/>
+        </p:nvPicPr>
+        <p:blipFill>
+          <a:blip r:embed="rId3" cstate="print">
+            <a:extLst>
+              <a:ext uri="{28A0092B-C50C-407E-A947-70E740481C1C}">
+                <a14:useLocalDpi xmlns:a14="http://schemas.microsoft.com/office/drawing/2010/main" val="0"/>
+              </a:ext>
+            </a:extLst>
+          </a:blip>
+          <a:stretch>
+            <a:fillRect/>
+          </a:stretch>
+        </p:blipFill>
+        <p:spPr>
+          <a:xfrm rot="19929264">
+            <a:off x="5494190" y="2380167"/>
+            <a:ext cx="3217332" cy="1809749"/>
+          </a:xfrm>
+          <a:prstGeom prst="rect">
+            <a:avLst/>
+          </a:prstGeom>
+        </p:spPr>
+      </p:pic>
+      <p:pic>
+        <p:nvPicPr>
+          <p:cNvPr id="8" name="Picture 7">
+            <a:extLst>
+              <a:ext uri="{FF2B5EF4-FFF2-40B4-BE49-F238E27FC236}">
+                <a16:creationId xmlns:a16="http://schemas.microsoft.com/office/drawing/2014/main" id="{3841BEA0-DBC8-4916-AE98-508543EFBE22}"/>
+              </a:ext>
+            </a:extLst>
+          </p:cNvPr>
+          <p:cNvPicPr>
+            <a:picLocks noChangeAspect="1"/>
+          </p:cNvPicPr>
+          <p:nvPr/>
+        </p:nvPicPr>
+        <p:blipFill>
+          <a:blip r:embed="rId4"/>
+          <a:stretch>
+            <a:fillRect/>
+          </a:stretch>
+        </p:blipFill>
+        <p:spPr>
+          <a:xfrm>
+            <a:off x="2814316" y="925332"/>
+            <a:ext cx="2410353" cy="2599932"/>
+          </a:xfrm>
+          <a:prstGeom prst="rect">
+            <a:avLst/>
+          </a:prstGeom>
+        </p:spPr>
+      </p:pic>
+      <p:pic>
+        <p:nvPicPr>
+          <p:cNvPr id="9" name="Picture 8">
+            <a:extLst>
+              <a:ext uri="{FF2B5EF4-FFF2-40B4-BE49-F238E27FC236}">
+                <a16:creationId xmlns:a16="http://schemas.microsoft.com/office/drawing/2014/main" id="{3ABA242D-50FD-4EBB-BEED-04C4FF11A569}"/>
+              </a:ext>
+            </a:extLst>
+          </p:cNvPr>
+          <p:cNvPicPr>
+            <a:picLocks noChangeAspect="1"/>
+          </p:cNvPicPr>
+          <p:nvPr/>
+        </p:nvPicPr>
+        <p:blipFill>
+          <a:blip r:embed="rId5"/>
+          <a:stretch>
+            <a:fillRect/>
+          </a:stretch>
+        </p:blipFill>
+        <p:spPr>
+          <a:xfrm rot="20142889">
+            <a:off x="469693" y="1060100"/>
+            <a:ext cx="2207236" cy="2330395"/>
+          </a:xfrm>
+          <a:prstGeom prst="rect">
+            <a:avLst/>
+          </a:prstGeom>
+        </p:spPr>
+      </p:pic>
+      <p:pic>
+        <p:nvPicPr>
+          <p:cNvPr id="1026" name="Picture 2" descr="https://pbs.twimg.com/media/Dj7mZNMV4AEbbTB.jpg:large">
+            <a:extLst>
+              <a:ext uri="{FF2B5EF4-FFF2-40B4-BE49-F238E27FC236}">
+                <a16:creationId xmlns:a16="http://schemas.microsoft.com/office/drawing/2014/main" id="{015FDC24-A3AE-41CF-9A1C-8DC02B6DFA7F}"/>
+              </a:ext>
+            </a:extLst>
+          </p:cNvPr>
+          <p:cNvPicPr>
+            <a:picLocks noChangeAspect="1" noChangeArrowheads="1"/>
+          </p:cNvPicPr>
+          <p:nvPr/>
+        </p:nvPicPr>
+        <p:blipFill>
+          <a:blip r:embed="rId6" cstate="print">
+            <a:extLst>
+              <a:ext uri="{28A0092B-C50C-407E-A947-70E740481C1C}">
+                <a14:useLocalDpi xmlns:a14="http://schemas.microsoft.com/office/drawing/2010/main" val="0"/>
+              </a:ext>
+            </a:extLst>
+          </a:blip>
+          <a:srcRect/>
+          <a:stretch>
+            <a:fillRect/>
+          </a:stretch>
+        </p:blipFill>
+        <p:spPr bwMode="auto">
+          <a:xfrm>
+            <a:off x="1524000" y="3203575"/>
+            <a:ext cx="2308190" cy="1733550"/>
+          </a:xfrm>
+          <a:prstGeom prst="rect">
+            <a:avLst/>
+          </a:prstGeom>
+          <a:noFill/>
+          <a:extLst>
+            <a:ext uri="{909E8E84-426E-40DD-AFC4-6F175D3DCCD1}">
+              <a14:hiddenFill xmlns:a14="http://schemas.microsoft.com/office/drawing/2010/main">
+                <a:solidFill>
+                  <a:srgbClr val="FFFFFF"/>
+                </a:solidFill>
+              </a14:hiddenFill>
+            </a:ext>
+          </a:extLst>
+        </p:spPr>
+      </p:pic>
+      <p:pic>
+        <p:nvPicPr>
+          <p:cNvPr id="11" name="Picture 10" descr="A picture containing table, indoor, cake, cup&#10;&#10;Description generated with very high confidence">
+            <a:extLst>
+              <a:ext uri="{FF2B5EF4-FFF2-40B4-BE49-F238E27FC236}">
+                <a16:creationId xmlns:a16="http://schemas.microsoft.com/office/drawing/2014/main" id="{EE13AF69-D10A-48C8-94E5-90931871772C}"/>
+              </a:ext>
+            </a:extLst>
+          </p:cNvPr>
+          <p:cNvPicPr>
+            <a:picLocks noChangeAspect="1"/>
+          </p:cNvPicPr>
+          <p:nvPr/>
+        </p:nvPicPr>
+        <p:blipFill>
+          <a:blip r:embed="rId7" cstate="print">
+            <a:extLst>
+              <a:ext uri="{28A0092B-C50C-407E-A947-70E740481C1C}">
+                <a14:useLocalDpi xmlns:a14="http://schemas.microsoft.com/office/drawing/2010/main" val="0"/>
+              </a:ext>
+            </a:extLst>
+          </a:blip>
+          <a:stretch>
+            <a:fillRect/>
+          </a:stretch>
+        </p:blipFill>
+        <p:spPr>
+          <a:xfrm>
+            <a:off x="3962400" y="4095750"/>
+            <a:ext cx="1752600" cy="985838"/>
+          </a:xfrm>
+          <a:prstGeom prst="rect">
+            <a:avLst/>
+          </a:prstGeom>
+        </p:spPr>
+      </p:pic>
+      <p:pic>
+        <p:nvPicPr>
+          <p:cNvPr id="13" name="Picture 12" descr="A picture containing indoor, person&#10;&#10;Description generated with high confidence">
+            <a:extLst>
+              <a:ext uri="{FF2B5EF4-FFF2-40B4-BE49-F238E27FC236}">
+                <a16:creationId xmlns:a16="http://schemas.microsoft.com/office/drawing/2014/main" id="{DD741985-4421-4601-BE7E-6E50D4031359}"/>
+              </a:ext>
+            </a:extLst>
+          </p:cNvPr>
+          <p:cNvPicPr>
+            <a:picLocks noChangeAspect="1"/>
+          </p:cNvPicPr>
+          <p:nvPr/>
+        </p:nvPicPr>
+        <p:blipFill>
+          <a:blip r:embed="rId8" cstate="print">
+            <a:extLst>
+              <a:ext uri="{28A0092B-C50C-407E-A947-70E740481C1C}">
+                <a14:useLocalDpi xmlns:a14="http://schemas.microsoft.com/office/drawing/2010/main" val="0"/>
+              </a:ext>
+            </a:extLst>
+          </a:blip>
+          <a:stretch>
+            <a:fillRect/>
+          </a:stretch>
+        </p:blipFill>
+        <p:spPr>
+          <a:xfrm>
+            <a:off x="5486400" y="964959"/>
+            <a:ext cx="2410789" cy="1606791"/>
+          </a:xfrm>
+          <a:prstGeom prst="rect">
+            <a:avLst/>
+          </a:prstGeom>
+        </p:spPr>
+      </p:pic>
     </p:spTree>
     <p:extLst>
       <p:ext uri="{BB962C8B-B14F-4D97-AF65-F5344CB8AC3E}">
-        <p14:creationId xmlns:p14="http://schemas.microsoft.com/office/powerpoint/2010/main" val="1744027872"/>
+        <p14:creationId xmlns:p14="http://schemas.microsoft.com/office/powerpoint/2010/main" val="608967687"/>
       </p:ext>
     </p:extLst>
   </p:cSld>
@@ -4538,6 +4811,92 @@
           <p:cNvPr id="2" name="Title 1">
             <a:extLst>
               <a:ext uri="{FF2B5EF4-FFF2-40B4-BE49-F238E27FC236}">
+                <a16:creationId xmlns:a16="http://schemas.microsoft.com/office/drawing/2014/main" id="{9E7C623A-6D5A-441D-9DA4-B618DFF14388}"/>
+              </a:ext>
+            </a:extLst>
+          </p:cNvPr>
+          <p:cNvSpPr>
+            <a:spLocks noGrp="1"/>
+          </p:cNvSpPr>
+          <p:nvPr>
+            <p:ph type="title"/>
+          </p:nvPr>
+        </p:nvSpPr>
+        <p:spPr/>
+        <p:txBody>
+          <a:bodyPr/>
+          <a:lstStyle/>
+          <a:p>
+            <a:r>
+              <a:rPr lang="en-US" dirty="0"/>
+              <a:t>Less Yapping More Tapping</a:t>
+            </a:r>
+          </a:p>
+        </p:txBody>
+      </p:sp>
+      <p:sp>
+        <p:nvSpPr>
+          <p:cNvPr id="3" name="Text Placeholder 2">
+            <a:extLst>
+              <a:ext uri="{FF2B5EF4-FFF2-40B4-BE49-F238E27FC236}">
+                <a16:creationId xmlns:a16="http://schemas.microsoft.com/office/drawing/2014/main" id="{BDEB7752-25EF-448B-B03C-D8A1AD349046}"/>
+              </a:ext>
+            </a:extLst>
+          </p:cNvPr>
+          <p:cNvSpPr>
+            <a:spLocks noGrp="1"/>
+          </p:cNvSpPr>
+          <p:nvPr>
+            <p:ph type="body" idx="1"/>
+          </p:nvPr>
+        </p:nvSpPr>
+        <p:spPr/>
+        <p:txBody>
+          <a:bodyPr/>
+          <a:lstStyle/>
+          <a:p>
+            <a:r>
+              <a:rPr lang="en-US" dirty="0"/>
+              <a:t>Demo Time</a:t>
+            </a:r>
+          </a:p>
+        </p:txBody>
+      </p:sp>
+    </p:spTree>
+    <p:extLst>
+      <p:ext uri="{BB962C8B-B14F-4D97-AF65-F5344CB8AC3E}">
+        <p14:creationId xmlns:p14="http://schemas.microsoft.com/office/powerpoint/2010/main" val="1744027872"/>
+      </p:ext>
+    </p:extLst>
+  </p:cSld>
+  <p:clrMapOvr>
+    <a:masterClrMapping/>
+  </p:clrMapOvr>
+</p:sld>
+</file>
+
+<file path=ppt/slides/slide5.xml><?xml version="1.0" encoding="utf-8"?>
+<p:sld xmlns:a="http://schemas.openxmlformats.org/drawingml/2006/main" xmlns:r="http://schemas.openxmlformats.org/officeDocument/2006/relationships" xmlns:p="http://schemas.openxmlformats.org/presentationml/2006/main">
+  <p:cSld>
+    <p:spTree>
+      <p:nvGrpSpPr>
+        <p:cNvPr id="1" name=""/>
+        <p:cNvGrpSpPr/>
+        <p:nvPr/>
+      </p:nvGrpSpPr>
+      <p:grpSpPr>
+        <a:xfrm>
+          <a:off x="0" y="0"/>
+          <a:ext cx="0" cy="0"/>
+          <a:chOff x="0" y="0"/>
+          <a:chExt cx="0" cy="0"/>
+        </a:xfrm>
+      </p:grpSpPr>
+      <p:sp>
+        <p:nvSpPr>
+          <p:cNvPr id="2" name="Title 1">
+            <a:extLst>
+              <a:ext uri="{FF2B5EF4-FFF2-40B4-BE49-F238E27FC236}">
                 <a16:creationId xmlns:a16="http://schemas.microsoft.com/office/drawing/2014/main" id="{B16702A3-B288-4EFE-AF17-A1F64A5BD658}"/>
               </a:ext>
             </a:extLst>
@@ -4610,7 +4969,7 @@
 </p:sld>
 </file>
 
-<file path=ppt/slides/slide5.xml><?xml version="1.0" encoding="utf-8"?>
+<file path=ppt/slides/slide6.xml><?xml version="1.0" encoding="utf-8"?>
 <p:sld xmlns:a="http://schemas.openxmlformats.org/drawingml/2006/main" xmlns:r="http://schemas.openxmlformats.org/officeDocument/2006/relationships" xmlns:p="http://schemas.openxmlformats.org/presentationml/2006/main">
   <p:cSld>
     <p:spTree>
